--- a/zivotne_prostredie.pptx
+++ b/zivotne_prostredie.pptx
@@ -830,6 +830,18 @@
   <p:clrMapOvr>
     <a:masterClrMapping/>
   </p:clrMapOvr>
+  <mc:AlternateContent xmlns:mc="http://schemas.openxmlformats.org/markup-compatibility/2006">
+    <mc:Choice xmlns:p14="http://schemas.microsoft.com/office/powerpoint/2010/main" Requires="p14">
+      <p:transition spd="med" p14:dur="700">
+        <p:fade/>
+      </p:transition>
+    </mc:Choice>
+    <mc:Fallback>
+      <p:transition spd="med">
+        <p:fade/>
+      </p:transition>
+    </mc:Fallback>
+  </mc:AlternateContent>
 </p:sldLayout>
 </file>
 
@@ -1078,6 +1090,18 @@
   <p:clrMapOvr>
     <a:masterClrMapping/>
   </p:clrMapOvr>
+  <mc:AlternateContent xmlns:mc="http://schemas.openxmlformats.org/markup-compatibility/2006">
+    <mc:Choice xmlns:p14="http://schemas.microsoft.com/office/powerpoint/2010/main" Requires="p14">
+      <p:transition spd="med" p14:dur="700">
+        <p:fade/>
+      </p:transition>
+    </mc:Choice>
+    <mc:Fallback>
+      <p:transition spd="med">
+        <p:fade/>
+      </p:transition>
+    </mc:Fallback>
+  </mc:AlternateContent>
 </p:sldLayout>
 </file>
 
@@ -1417,6 +1441,18 @@
   <p:clrMapOvr>
     <a:masterClrMapping/>
   </p:clrMapOvr>
+  <mc:AlternateContent xmlns:mc="http://schemas.openxmlformats.org/markup-compatibility/2006">
+    <mc:Choice xmlns:p14="http://schemas.microsoft.com/office/powerpoint/2010/main" Requires="p14">
+      <p:transition spd="med" p14:dur="700">
+        <p:fade/>
+      </p:transition>
+    </mc:Choice>
+    <mc:Fallback>
+      <p:transition spd="med">
+        <p:fade/>
+      </p:transition>
+    </mc:Fallback>
+  </mc:AlternateContent>
 </p:sldLayout>
 </file>
 
@@ -1622,6 +1658,18 @@
   <p:clrMapOvr>
     <a:masterClrMapping/>
   </p:clrMapOvr>
+  <mc:AlternateContent xmlns:mc="http://schemas.openxmlformats.org/markup-compatibility/2006">
+    <mc:Choice xmlns:p14="http://schemas.microsoft.com/office/powerpoint/2010/main" Requires="p14">
+      <p:transition spd="med" p14:dur="700">
+        <p:fade/>
+      </p:transition>
+    </mc:Choice>
+    <mc:Fallback>
+      <p:transition spd="med">
+        <p:fade/>
+      </p:transition>
+    </mc:Fallback>
+  </mc:AlternateContent>
 </p:sldLayout>
 </file>
 
@@ -2032,6 +2080,18 @@
   <p:clrMapOvr>
     <a:masterClrMapping/>
   </p:clrMapOvr>
+  <mc:AlternateContent xmlns:mc="http://schemas.openxmlformats.org/markup-compatibility/2006">
+    <mc:Choice xmlns:p14="http://schemas.microsoft.com/office/powerpoint/2010/main" Requires="p14">
+      <p:transition spd="med" p14:dur="700">
+        <p:fade/>
+      </p:transition>
+    </mc:Choice>
+    <mc:Fallback>
+      <p:transition spd="med">
+        <p:fade/>
+      </p:transition>
+    </mc:Fallback>
+  </mc:AlternateContent>
 </p:sldLayout>
 </file>
 
@@ -2348,6 +2408,18 @@
   <p:clrMapOvr>
     <a:masterClrMapping/>
   </p:clrMapOvr>
+  <mc:AlternateContent xmlns:mc="http://schemas.openxmlformats.org/markup-compatibility/2006">
+    <mc:Choice xmlns:p14="http://schemas.microsoft.com/office/powerpoint/2010/main" Requires="p14">
+      <p:transition spd="med" p14:dur="700">
+        <p:fade/>
+      </p:transition>
+    </mc:Choice>
+    <mc:Fallback>
+      <p:transition spd="med">
+        <p:fade/>
+      </p:transition>
+    </mc:Fallback>
+  </mc:AlternateContent>
 </p:sldLayout>
 </file>
 
@@ -2852,6 +2924,18 @@
   <p:clrMapOvr>
     <a:masterClrMapping/>
   </p:clrMapOvr>
+  <mc:AlternateContent xmlns:mc="http://schemas.openxmlformats.org/markup-compatibility/2006">
+    <mc:Choice xmlns:p14="http://schemas.microsoft.com/office/powerpoint/2010/main" Requires="p14">
+      <p:transition spd="med" p14:dur="700">
+        <p:fade/>
+      </p:transition>
+    </mc:Choice>
+    <mc:Fallback>
+      <p:transition spd="med">
+        <p:fade/>
+      </p:transition>
+    </mc:Fallback>
+  </mc:AlternateContent>
 </p:sldLayout>
 </file>
 
@@ -3085,6 +3169,18 @@
   <p:clrMapOvr>
     <a:masterClrMapping/>
   </p:clrMapOvr>
+  <mc:AlternateContent xmlns:mc="http://schemas.openxmlformats.org/markup-compatibility/2006">
+    <mc:Choice xmlns:p14="http://schemas.microsoft.com/office/powerpoint/2010/main" Requires="p14">
+      <p:transition spd="med" p14:dur="700">
+        <p:fade/>
+      </p:transition>
+    </mc:Choice>
+    <mc:Fallback>
+      <p:transition spd="med">
+        <p:fade/>
+      </p:transition>
+    </mc:Fallback>
+  </mc:AlternateContent>
 </p:sldLayout>
 </file>
 
@@ -3198,6 +3294,18 @@
   <p:clrMapOvr>
     <a:masterClrMapping/>
   </p:clrMapOvr>
+  <mc:AlternateContent xmlns:mc="http://schemas.openxmlformats.org/markup-compatibility/2006">
+    <mc:Choice xmlns:p14="http://schemas.microsoft.com/office/powerpoint/2010/main" Requires="p14">
+      <p:transition spd="med" p14:dur="700">
+        <p:fade/>
+      </p:transition>
+    </mc:Choice>
+    <mc:Fallback>
+      <p:transition spd="med">
+        <p:fade/>
+      </p:transition>
+    </mc:Fallback>
+  </mc:AlternateContent>
 </p:sldLayout>
 </file>
 
@@ -3683,6 +3791,18 @@
   <p:clrMapOvr>
     <a:masterClrMapping/>
   </p:clrMapOvr>
+  <mc:AlternateContent xmlns:mc="http://schemas.openxmlformats.org/markup-compatibility/2006">
+    <mc:Choice xmlns:p14="http://schemas.microsoft.com/office/powerpoint/2010/main" Requires="p14">
+      <p:transition spd="med" p14:dur="700">
+        <p:fade/>
+      </p:transition>
+    </mc:Choice>
+    <mc:Fallback>
+      <p:transition spd="med">
+        <p:fade/>
+      </p:transition>
+    </mc:Fallback>
+  </mc:AlternateContent>
 </p:sldLayout>
 </file>
 
@@ -4147,6 +4267,18 @@
   <p:clrMapOvr>
     <a:masterClrMapping/>
   </p:clrMapOvr>
+  <mc:AlternateContent xmlns:mc="http://schemas.openxmlformats.org/markup-compatibility/2006">
+    <mc:Choice xmlns:p14="http://schemas.microsoft.com/office/powerpoint/2010/main" Requires="p14">
+      <p:transition spd="med" p14:dur="700">
+        <p:fade/>
+      </p:transition>
+    </mc:Choice>
+    <mc:Fallback>
+      <p:transition spd="med">
+        <p:fade/>
+      </p:transition>
+    </mc:Fallback>
+  </mc:AlternateContent>
 </p:sldLayout>
 </file>
 
@@ -4560,6 +4692,18 @@
     <p:sldLayoutId id="2147483719" r:id="rId10"/>
     <p:sldLayoutId id="2147483721" r:id="rId11"/>
   </p:sldLayoutIdLst>
+  <mc:AlternateContent xmlns:mc="http://schemas.openxmlformats.org/markup-compatibility/2006">
+    <mc:Choice xmlns:p14="http://schemas.microsoft.com/office/powerpoint/2010/main" Requires="p14">
+      <p:transition spd="med" p14:dur="700">
+        <p:fade/>
+      </p:transition>
+    </mc:Choice>
+    <mc:Fallback>
+      <p:transition spd="med">
+        <p:fade/>
+      </p:transition>
+    </mc:Fallback>
+  </mc:AlternateContent>
   <p:txStyles>
     <p:titleStyle>
       <a:lvl1pPr algn="l" defTabSz="914400" rtl="0" eaLnBrk="1" latinLnBrk="0" hangingPunct="1">
@@ -5206,6 +5350,18 @@
   <p:clrMapOvr>
     <a:masterClrMapping/>
   </p:clrMapOvr>
+  <mc:AlternateContent xmlns:mc="http://schemas.openxmlformats.org/markup-compatibility/2006">
+    <mc:Choice xmlns:p14="http://schemas.microsoft.com/office/powerpoint/2010/main" Requires="p14">
+      <p:transition spd="med" p14:dur="700">
+        <p:fade/>
+      </p:transition>
+    </mc:Choice>
+    <mc:Fallback>
+      <p:transition spd="med">
+        <p:fade/>
+      </p:transition>
+    </mc:Fallback>
+  </mc:AlternateContent>
 </p:sld>
 </file>
 
@@ -5348,6 +5504,18 @@
   <p:clrMapOvr>
     <a:masterClrMapping/>
   </p:clrMapOvr>
+  <mc:AlternateContent xmlns:mc="http://schemas.openxmlformats.org/markup-compatibility/2006">
+    <mc:Choice xmlns:p14="http://schemas.microsoft.com/office/powerpoint/2010/main" Requires="p14">
+      <p:transition spd="med" p14:dur="700">
+        <p:fade/>
+      </p:transition>
+    </mc:Choice>
+    <mc:Fallback>
+      <p:transition spd="med">
+        <p:fade/>
+      </p:transition>
+    </mc:Fallback>
+  </mc:AlternateContent>
 </p:sld>
 </file>
 
@@ -5461,6 +5629,18 @@
   <p:clrMapOvr>
     <a:masterClrMapping/>
   </p:clrMapOvr>
+  <mc:AlternateContent xmlns:mc="http://schemas.openxmlformats.org/markup-compatibility/2006">
+    <mc:Choice xmlns:p14="http://schemas.microsoft.com/office/powerpoint/2010/main" Requires="p14">
+      <p:transition spd="med" p14:dur="700">
+        <p:fade/>
+      </p:transition>
+    </mc:Choice>
+    <mc:Fallback>
+      <p:transition spd="med">
+        <p:fade/>
+      </p:transition>
+    </mc:Fallback>
+  </mc:AlternateContent>
 </p:sld>
 </file>
 
@@ -5644,6 +5824,18 @@
   <p:clrMapOvr>
     <a:masterClrMapping/>
   </p:clrMapOvr>
+  <mc:AlternateContent xmlns:mc="http://schemas.openxmlformats.org/markup-compatibility/2006">
+    <mc:Choice xmlns:p14="http://schemas.microsoft.com/office/powerpoint/2010/main" Requires="p14">
+      <p:transition spd="med" p14:dur="700">
+        <p:fade/>
+      </p:transition>
+    </mc:Choice>
+    <mc:Fallback>
+      <p:transition spd="med">
+        <p:fade/>
+      </p:transition>
+    </mc:Fallback>
+  </mc:AlternateContent>
 </p:sld>
 </file>
 
@@ -5818,6 +6010,18 @@
   <p:clrMapOvr>
     <a:masterClrMapping/>
   </p:clrMapOvr>
+  <mc:AlternateContent xmlns:mc="http://schemas.openxmlformats.org/markup-compatibility/2006">
+    <mc:Choice xmlns:p14="http://schemas.microsoft.com/office/powerpoint/2010/main" Requires="p14">
+      <p:transition spd="med" p14:dur="700">
+        <p:fade/>
+      </p:transition>
+    </mc:Choice>
+    <mc:Fallback>
+      <p:transition spd="med">
+        <p:fade/>
+      </p:transition>
+    </mc:Fallback>
+  </mc:AlternateContent>
 </p:sld>
 </file>
 
